--- a/画面遷移図.pptx
+++ b/画面遷移図.pptx
@@ -105,6 +105,11 @@
       </a:defRPr>
     </a:lvl9pPr>
   </p:defaultTextStyle>
+  <p:extLst>
+    <p:ext uri="{EFAFB233-063F-42B5-8137-9DF3F51BA10A}">
+      <p15:sldGuideLst xmlns:p15="http://schemas.microsoft.com/office/powerpoint/2012/main"/>
+    </p:ext>
+  </p:extLst>
 </p:presentation>
 </file>
 
@@ -4523,8 +4528,8 @@
               </p:nvSpPr>
               <p:spPr>
                 <a:xfrm>
-                  <a:off x="2287682" y="900363"/>
-                  <a:ext cx="2031325" cy="369332"/>
+                  <a:off x="2319847" y="779308"/>
+                  <a:ext cx="2031325" cy="646331"/>
                 </a:xfrm>
                 <a:prstGeom prst="rect">
                   <a:avLst/>
@@ -4540,6 +4545,22 @@
                   <a:r>
                     <a:rPr lang="ja-JP" altLang="en-US" dirty="0"/>
                     <a:t>試験スタート画面</a:t>
+                  </a:r>
+                  <a:endParaRPr lang="en-US" altLang="ja-JP" dirty="0"/>
+                </a:p>
+                <a:p>
+                  <a:pPr algn="ctr"/>
+                  <a:r>
+                    <a:rPr kumimoji="1" lang="en-US" altLang="ja-JP" dirty="0"/>
+                    <a:t>(</a:t>
+                  </a:r>
+                  <a:r>
+                    <a:rPr kumimoji="1" lang="ja-JP" altLang="en-US" dirty="0"/>
+                    <a:t>ポップアップ</a:t>
+                  </a:r>
+                  <a:r>
+                    <a:rPr kumimoji="1" lang="en-US" altLang="ja-JP" dirty="0"/>
+                    <a:t>)</a:t>
                   </a:r>
                   <a:endParaRPr kumimoji="1" lang="ja-JP" altLang="en-US" dirty="0"/>
                 </a:p>
